--- a/ppt 16-9/1203.软弱祷告.pptx
+++ b/ppt 16-9/1203.软弱祷告.pptx
@@ -5,7 +5,7 @@
     <p:sldMasterId id="2147483648" r:id="rId1"/>
   </p:sldMasterIdLst>
   <p:sldIdLst>
-    <p:sldId id="730" r:id="rId2"/>
+    <p:sldId id="731" r:id="rId2"/>
   </p:sldIdLst>
   <p:sldSz cx="12192000" cy="6858000"/>
   <p:notesSz cx="6858000" cy="9144000"/>
@@ -129,7 +129,7 @@
           <p:cNvPr id="2" name="标题 1">
             <a:extLst>
               <a:ext uri="{FF2B5EF4-FFF2-40B4-BE49-F238E27FC236}">
-                <a16:creationId xmlns:a16="http://schemas.microsoft.com/office/drawing/2014/main" id="{C3C04132-6A27-B404-B585-D6657C5ECDEB}"/>
+                <a16:creationId xmlns:a16="http://schemas.microsoft.com/office/drawing/2014/main" id="{87AE2858-F2E3-6C8D-8433-19F30373D831}"/>
               </a:ext>
             </a:extLst>
           </p:cNvPr>
@@ -166,7 +166,7 @@
           <p:cNvPr id="3" name="副标题 2">
             <a:extLst>
               <a:ext uri="{FF2B5EF4-FFF2-40B4-BE49-F238E27FC236}">
-                <a16:creationId xmlns:a16="http://schemas.microsoft.com/office/drawing/2014/main" id="{9BD53BE4-1B39-26CB-8D55-B42A6A27696E}"/>
+                <a16:creationId xmlns:a16="http://schemas.microsoft.com/office/drawing/2014/main" id="{61997385-C3C5-711D-BE7C-E5E815F21517}"/>
               </a:ext>
             </a:extLst>
           </p:cNvPr>
@@ -236,7 +236,7 @@
           <p:cNvPr id="4" name="日期占位符 3">
             <a:extLst>
               <a:ext uri="{FF2B5EF4-FFF2-40B4-BE49-F238E27FC236}">
-                <a16:creationId xmlns:a16="http://schemas.microsoft.com/office/drawing/2014/main" id="{B77E5A0A-C8E7-15C9-6630-F64B8AE0C38C}"/>
+                <a16:creationId xmlns:a16="http://schemas.microsoft.com/office/drawing/2014/main" id="{3B50E708-1345-5030-3B68-43D37D7EA558}"/>
               </a:ext>
             </a:extLst>
           </p:cNvPr>
@@ -252,7 +252,7 @@
           <a:bodyPr/>
           <a:lstStyle/>
           <a:p>
-            <a:fld id="{282E39F6-3458-4A7D-AF10-1E809904B6B4}" type="datetimeFigureOut">
+            <a:fld id="{ADA1B5FA-0E6C-4809-8F85-2CB313CA6B6C}" type="datetimeFigureOut">
               <a:rPr lang="zh-CN" altLang="en-US" smtClean="0"/>
               <a:t>2024/3/10</a:t>
             </a:fld>
@@ -265,7 +265,7 @@
           <p:cNvPr id="5" name="页脚占位符 4">
             <a:extLst>
               <a:ext uri="{FF2B5EF4-FFF2-40B4-BE49-F238E27FC236}">
-                <a16:creationId xmlns:a16="http://schemas.microsoft.com/office/drawing/2014/main" id="{96F8D6C9-08CB-E699-5C16-21DDCC9244A7}"/>
+                <a16:creationId xmlns:a16="http://schemas.microsoft.com/office/drawing/2014/main" id="{9E26C924-9D92-DE22-F2F7-9E42CD8A1791}"/>
               </a:ext>
             </a:extLst>
           </p:cNvPr>
@@ -290,7 +290,7 @@
           <p:cNvPr id="6" name="灯片编号占位符 5">
             <a:extLst>
               <a:ext uri="{FF2B5EF4-FFF2-40B4-BE49-F238E27FC236}">
-                <a16:creationId xmlns:a16="http://schemas.microsoft.com/office/drawing/2014/main" id="{2EC2EC9D-B873-7F7D-8D9F-74892EFACD40}"/>
+                <a16:creationId xmlns:a16="http://schemas.microsoft.com/office/drawing/2014/main" id="{CCC062C5-995F-5C5D-1615-1F27D5BA495B}"/>
               </a:ext>
             </a:extLst>
           </p:cNvPr>
@@ -306,7 +306,7 @@
           <a:bodyPr/>
           <a:lstStyle/>
           <a:p>
-            <a:fld id="{9ADA99E6-B14D-4754-A64F-FAE44A17B924}" type="slidenum">
+            <a:fld id="{5A14B263-C093-4067-808F-DDDE0E67D7DD}" type="slidenum">
               <a:rPr lang="zh-CN" altLang="en-US" smtClean="0"/>
               <a:t>‹#›</a:t>
             </a:fld>
@@ -317,7 +317,7 @@
     </p:spTree>
     <p:extLst>
       <p:ext uri="{BB962C8B-B14F-4D97-AF65-F5344CB8AC3E}">
-        <p14:creationId xmlns:p14="http://schemas.microsoft.com/office/powerpoint/2010/main" val="1430173317"/>
+        <p14:creationId xmlns:p14="http://schemas.microsoft.com/office/powerpoint/2010/main" val="3308405985"/>
       </p:ext>
     </p:extLst>
   </p:cSld>
@@ -349,7 +349,7 @@
           <p:cNvPr id="2" name="标题 1">
             <a:extLst>
               <a:ext uri="{FF2B5EF4-FFF2-40B4-BE49-F238E27FC236}">
-                <a16:creationId xmlns:a16="http://schemas.microsoft.com/office/drawing/2014/main" id="{2176EA69-EEB8-ED22-1111-E4A830E1EED7}"/>
+                <a16:creationId xmlns:a16="http://schemas.microsoft.com/office/drawing/2014/main" id="{59F46807-6818-B468-C239-C1E2C9725C3C}"/>
               </a:ext>
             </a:extLst>
           </p:cNvPr>
@@ -377,7 +377,7 @@
           <p:cNvPr id="3" name="竖排文字占位符 2">
             <a:extLst>
               <a:ext uri="{FF2B5EF4-FFF2-40B4-BE49-F238E27FC236}">
-                <a16:creationId xmlns:a16="http://schemas.microsoft.com/office/drawing/2014/main" id="{7A48306D-FA03-B9D4-E83C-8B9E27D8457C}"/>
+                <a16:creationId xmlns:a16="http://schemas.microsoft.com/office/drawing/2014/main" id="{F436A456-083D-F2A0-212E-F3CA4DE495FE}"/>
               </a:ext>
             </a:extLst>
           </p:cNvPr>
@@ -434,7 +434,7 @@
           <p:cNvPr id="4" name="日期占位符 3">
             <a:extLst>
               <a:ext uri="{FF2B5EF4-FFF2-40B4-BE49-F238E27FC236}">
-                <a16:creationId xmlns:a16="http://schemas.microsoft.com/office/drawing/2014/main" id="{6CD41070-D07C-3E85-C777-730980A0CFF0}"/>
+                <a16:creationId xmlns:a16="http://schemas.microsoft.com/office/drawing/2014/main" id="{C53457E4-8E78-FBB8-440A-DC029488999D}"/>
               </a:ext>
             </a:extLst>
           </p:cNvPr>
@@ -450,7 +450,7 @@
           <a:bodyPr/>
           <a:lstStyle/>
           <a:p>
-            <a:fld id="{282E39F6-3458-4A7D-AF10-1E809904B6B4}" type="datetimeFigureOut">
+            <a:fld id="{ADA1B5FA-0E6C-4809-8F85-2CB313CA6B6C}" type="datetimeFigureOut">
               <a:rPr lang="zh-CN" altLang="en-US" smtClean="0"/>
               <a:t>2024/3/10</a:t>
             </a:fld>
@@ -463,7 +463,7 @@
           <p:cNvPr id="5" name="页脚占位符 4">
             <a:extLst>
               <a:ext uri="{FF2B5EF4-FFF2-40B4-BE49-F238E27FC236}">
-                <a16:creationId xmlns:a16="http://schemas.microsoft.com/office/drawing/2014/main" id="{4951E34B-35BF-862D-B2FF-861F45831A2D}"/>
+                <a16:creationId xmlns:a16="http://schemas.microsoft.com/office/drawing/2014/main" id="{758D7120-CA03-AE64-26CA-DE6778B80B06}"/>
               </a:ext>
             </a:extLst>
           </p:cNvPr>
@@ -488,7 +488,7 @@
           <p:cNvPr id="6" name="灯片编号占位符 5">
             <a:extLst>
               <a:ext uri="{FF2B5EF4-FFF2-40B4-BE49-F238E27FC236}">
-                <a16:creationId xmlns:a16="http://schemas.microsoft.com/office/drawing/2014/main" id="{D3B25052-068E-DE5C-D46F-634244A97F5E}"/>
+                <a16:creationId xmlns:a16="http://schemas.microsoft.com/office/drawing/2014/main" id="{B29775DB-0C7E-9A32-82A1-50DCE68C3BE3}"/>
               </a:ext>
             </a:extLst>
           </p:cNvPr>
@@ -504,7 +504,7 @@
           <a:bodyPr/>
           <a:lstStyle/>
           <a:p>
-            <a:fld id="{9ADA99E6-B14D-4754-A64F-FAE44A17B924}" type="slidenum">
+            <a:fld id="{5A14B263-C093-4067-808F-DDDE0E67D7DD}" type="slidenum">
               <a:rPr lang="zh-CN" altLang="en-US" smtClean="0"/>
               <a:t>‹#›</a:t>
             </a:fld>
@@ -515,7 +515,7 @@
     </p:spTree>
     <p:extLst>
       <p:ext uri="{BB962C8B-B14F-4D97-AF65-F5344CB8AC3E}">
-        <p14:creationId xmlns:p14="http://schemas.microsoft.com/office/powerpoint/2010/main" val="1167184454"/>
+        <p14:creationId xmlns:p14="http://schemas.microsoft.com/office/powerpoint/2010/main" val="954359278"/>
       </p:ext>
     </p:extLst>
   </p:cSld>
@@ -547,7 +547,7 @@
           <p:cNvPr id="2" name="竖排标题 1">
             <a:extLst>
               <a:ext uri="{FF2B5EF4-FFF2-40B4-BE49-F238E27FC236}">
-                <a16:creationId xmlns:a16="http://schemas.microsoft.com/office/drawing/2014/main" id="{57D881F6-FC88-6C04-92A3-5ED2A78D5589}"/>
+                <a16:creationId xmlns:a16="http://schemas.microsoft.com/office/drawing/2014/main" id="{1CA450EF-F0E6-13D8-ADF4-287E3D948930}"/>
               </a:ext>
             </a:extLst>
           </p:cNvPr>
@@ -580,7 +580,7 @@
           <p:cNvPr id="3" name="竖排文字占位符 2">
             <a:extLst>
               <a:ext uri="{FF2B5EF4-FFF2-40B4-BE49-F238E27FC236}">
-                <a16:creationId xmlns:a16="http://schemas.microsoft.com/office/drawing/2014/main" id="{0EFC318F-FEB1-6132-4D0E-99B0C71DC38A}"/>
+                <a16:creationId xmlns:a16="http://schemas.microsoft.com/office/drawing/2014/main" id="{E4DC6E7A-FABB-FF56-7E6F-65C15CA423A7}"/>
               </a:ext>
             </a:extLst>
           </p:cNvPr>
@@ -642,7 +642,7 @@
           <p:cNvPr id="4" name="日期占位符 3">
             <a:extLst>
               <a:ext uri="{FF2B5EF4-FFF2-40B4-BE49-F238E27FC236}">
-                <a16:creationId xmlns:a16="http://schemas.microsoft.com/office/drawing/2014/main" id="{4969B6C2-B79D-F893-86AB-D9577A1EE318}"/>
+                <a16:creationId xmlns:a16="http://schemas.microsoft.com/office/drawing/2014/main" id="{793AF155-FA59-DFBE-1C99-667B93587904}"/>
               </a:ext>
             </a:extLst>
           </p:cNvPr>
@@ -658,7 +658,7 @@
           <a:bodyPr/>
           <a:lstStyle/>
           <a:p>
-            <a:fld id="{282E39F6-3458-4A7D-AF10-1E809904B6B4}" type="datetimeFigureOut">
+            <a:fld id="{ADA1B5FA-0E6C-4809-8F85-2CB313CA6B6C}" type="datetimeFigureOut">
               <a:rPr lang="zh-CN" altLang="en-US" smtClean="0"/>
               <a:t>2024/3/10</a:t>
             </a:fld>
@@ -671,7 +671,7 @@
           <p:cNvPr id="5" name="页脚占位符 4">
             <a:extLst>
               <a:ext uri="{FF2B5EF4-FFF2-40B4-BE49-F238E27FC236}">
-                <a16:creationId xmlns:a16="http://schemas.microsoft.com/office/drawing/2014/main" id="{30B55823-3B4C-62FB-C3D6-F7F93ECD46A2}"/>
+                <a16:creationId xmlns:a16="http://schemas.microsoft.com/office/drawing/2014/main" id="{CEF1C7CB-F82B-24DE-8691-D18763D0880E}"/>
               </a:ext>
             </a:extLst>
           </p:cNvPr>
@@ -696,7 +696,7 @@
           <p:cNvPr id="6" name="灯片编号占位符 5">
             <a:extLst>
               <a:ext uri="{FF2B5EF4-FFF2-40B4-BE49-F238E27FC236}">
-                <a16:creationId xmlns:a16="http://schemas.microsoft.com/office/drawing/2014/main" id="{F17A41EF-FC4C-6BE1-1AD5-BAE5B2A3F5C4}"/>
+                <a16:creationId xmlns:a16="http://schemas.microsoft.com/office/drawing/2014/main" id="{5275DCBE-F1AC-D6FB-1594-CADC60A6BA33}"/>
               </a:ext>
             </a:extLst>
           </p:cNvPr>
@@ -712,7 +712,7 @@
           <a:bodyPr/>
           <a:lstStyle/>
           <a:p>
-            <a:fld id="{9ADA99E6-B14D-4754-A64F-FAE44A17B924}" type="slidenum">
+            <a:fld id="{5A14B263-C093-4067-808F-DDDE0E67D7DD}" type="slidenum">
               <a:rPr lang="zh-CN" altLang="en-US" smtClean="0"/>
               <a:t>‹#›</a:t>
             </a:fld>
@@ -723,7 +723,7 @@
     </p:spTree>
     <p:extLst>
       <p:ext uri="{BB962C8B-B14F-4D97-AF65-F5344CB8AC3E}">
-        <p14:creationId xmlns:p14="http://schemas.microsoft.com/office/powerpoint/2010/main" val="746060228"/>
+        <p14:creationId xmlns:p14="http://schemas.microsoft.com/office/powerpoint/2010/main" val="3794800790"/>
       </p:ext>
     </p:extLst>
   </p:cSld>
@@ -755,7 +755,7 @@
           <p:cNvPr id="2" name="标题 1">
             <a:extLst>
               <a:ext uri="{FF2B5EF4-FFF2-40B4-BE49-F238E27FC236}">
-                <a16:creationId xmlns:a16="http://schemas.microsoft.com/office/drawing/2014/main" id="{DE2AB76B-CE62-F01E-80B0-E73FF71A9FBA}"/>
+                <a16:creationId xmlns:a16="http://schemas.microsoft.com/office/drawing/2014/main" id="{2831A98C-2F92-4265-BC1B-73B1E95D3BC1}"/>
               </a:ext>
             </a:extLst>
           </p:cNvPr>
@@ -783,7 +783,7 @@
           <p:cNvPr id="3" name="内容占位符 2">
             <a:extLst>
               <a:ext uri="{FF2B5EF4-FFF2-40B4-BE49-F238E27FC236}">
-                <a16:creationId xmlns:a16="http://schemas.microsoft.com/office/drawing/2014/main" id="{E64F6BD5-D375-30E4-0AAC-6C7EA89B0E81}"/>
+                <a16:creationId xmlns:a16="http://schemas.microsoft.com/office/drawing/2014/main" id="{3D8D96A1-4B7A-8BF3-4453-AEB4D2AE02D5}"/>
               </a:ext>
             </a:extLst>
           </p:cNvPr>
@@ -840,7 +840,7 @@
           <p:cNvPr id="4" name="日期占位符 3">
             <a:extLst>
               <a:ext uri="{FF2B5EF4-FFF2-40B4-BE49-F238E27FC236}">
-                <a16:creationId xmlns:a16="http://schemas.microsoft.com/office/drawing/2014/main" id="{6D363F43-5A18-A9A1-BC6A-CAF6AC091F2A}"/>
+                <a16:creationId xmlns:a16="http://schemas.microsoft.com/office/drawing/2014/main" id="{21FA0E40-1FEF-CB15-CBDD-8E6A39B5C559}"/>
               </a:ext>
             </a:extLst>
           </p:cNvPr>
@@ -856,7 +856,7 @@
           <a:bodyPr/>
           <a:lstStyle/>
           <a:p>
-            <a:fld id="{282E39F6-3458-4A7D-AF10-1E809904B6B4}" type="datetimeFigureOut">
+            <a:fld id="{ADA1B5FA-0E6C-4809-8F85-2CB313CA6B6C}" type="datetimeFigureOut">
               <a:rPr lang="zh-CN" altLang="en-US" smtClean="0"/>
               <a:t>2024/3/10</a:t>
             </a:fld>
@@ -869,7 +869,7 @@
           <p:cNvPr id="5" name="页脚占位符 4">
             <a:extLst>
               <a:ext uri="{FF2B5EF4-FFF2-40B4-BE49-F238E27FC236}">
-                <a16:creationId xmlns:a16="http://schemas.microsoft.com/office/drawing/2014/main" id="{0F92D9FF-8B6C-ED04-513D-513C8070158E}"/>
+                <a16:creationId xmlns:a16="http://schemas.microsoft.com/office/drawing/2014/main" id="{C83D9272-7170-74CE-A2CB-5CBDB4BAB4D9}"/>
               </a:ext>
             </a:extLst>
           </p:cNvPr>
@@ -894,7 +894,7 @@
           <p:cNvPr id="6" name="灯片编号占位符 5">
             <a:extLst>
               <a:ext uri="{FF2B5EF4-FFF2-40B4-BE49-F238E27FC236}">
-                <a16:creationId xmlns:a16="http://schemas.microsoft.com/office/drawing/2014/main" id="{CBF1A7E3-F9BA-C612-C62C-CBB764C9C154}"/>
+                <a16:creationId xmlns:a16="http://schemas.microsoft.com/office/drawing/2014/main" id="{4E98644F-A3C2-9686-7A36-D07A3808C440}"/>
               </a:ext>
             </a:extLst>
           </p:cNvPr>
@@ -910,7 +910,7 @@
           <a:bodyPr/>
           <a:lstStyle/>
           <a:p>
-            <a:fld id="{9ADA99E6-B14D-4754-A64F-FAE44A17B924}" type="slidenum">
+            <a:fld id="{5A14B263-C093-4067-808F-DDDE0E67D7DD}" type="slidenum">
               <a:rPr lang="zh-CN" altLang="en-US" smtClean="0"/>
               <a:t>‹#›</a:t>
             </a:fld>
@@ -921,7 +921,7 @@
     </p:spTree>
     <p:extLst>
       <p:ext uri="{BB962C8B-B14F-4D97-AF65-F5344CB8AC3E}">
-        <p14:creationId xmlns:p14="http://schemas.microsoft.com/office/powerpoint/2010/main" val="2716133885"/>
+        <p14:creationId xmlns:p14="http://schemas.microsoft.com/office/powerpoint/2010/main" val="4005594389"/>
       </p:ext>
     </p:extLst>
   </p:cSld>
@@ -953,7 +953,7 @@
           <p:cNvPr id="2" name="标题 1">
             <a:extLst>
               <a:ext uri="{FF2B5EF4-FFF2-40B4-BE49-F238E27FC236}">
-                <a16:creationId xmlns:a16="http://schemas.microsoft.com/office/drawing/2014/main" id="{954C5652-2E78-2A5B-1559-C1AFDA26E01A}"/>
+                <a16:creationId xmlns:a16="http://schemas.microsoft.com/office/drawing/2014/main" id="{C7528674-D6BD-6DF9-4220-58E4589D83AB}"/>
               </a:ext>
             </a:extLst>
           </p:cNvPr>
@@ -990,7 +990,7 @@
           <p:cNvPr id="3" name="文本占位符 2">
             <a:extLst>
               <a:ext uri="{FF2B5EF4-FFF2-40B4-BE49-F238E27FC236}">
-                <a16:creationId xmlns:a16="http://schemas.microsoft.com/office/drawing/2014/main" id="{EE3E2186-28BC-2554-0549-1AAC7E6BC2DB}"/>
+                <a16:creationId xmlns:a16="http://schemas.microsoft.com/office/drawing/2014/main" id="{699C6DFA-F733-B7A1-3447-D2EF45E72D0B}"/>
               </a:ext>
             </a:extLst>
           </p:cNvPr>
@@ -1115,7 +1115,7 @@
           <p:cNvPr id="4" name="日期占位符 3">
             <a:extLst>
               <a:ext uri="{FF2B5EF4-FFF2-40B4-BE49-F238E27FC236}">
-                <a16:creationId xmlns:a16="http://schemas.microsoft.com/office/drawing/2014/main" id="{0D68BC71-4263-CF79-F1AE-02BB6AD63BFC}"/>
+                <a16:creationId xmlns:a16="http://schemas.microsoft.com/office/drawing/2014/main" id="{1318DA75-06D6-DC41-258E-C9D64B3D7D31}"/>
               </a:ext>
             </a:extLst>
           </p:cNvPr>
@@ -1131,7 +1131,7 @@
           <a:bodyPr/>
           <a:lstStyle/>
           <a:p>
-            <a:fld id="{282E39F6-3458-4A7D-AF10-1E809904B6B4}" type="datetimeFigureOut">
+            <a:fld id="{ADA1B5FA-0E6C-4809-8F85-2CB313CA6B6C}" type="datetimeFigureOut">
               <a:rPr lang="zh-CN" altLang="en-US" smtClean="0"/>
               <a:t>2024/3/10</a:t>
             </a:fld>
@@ -1144,7 +1144,7 @@
           <p:cNvPr id="5" name="页脚占位符 4">
             <a:extLst>
               <a:ext uri="{FF2B5EF4-FFF2-40B4-BE49-F238E27FC236}">
-                <a16:creationId xmlns:a16="http://schemas.microsoft.com/office/drawing/2014/main" id="{10156C67-A17B-DB49-1458-099D87FAA48C}"/>
+                <a16:creationId xmlns:a16="http://schemas.microsoft.com/office/drawing/2014/main" id="{10EF922B-2799-7E74-5C8B-DB0D438772CD}"/>
               </a:ext>
             </a:extLst>
           </p:cNvPr>
@@ -1169,7 +1169,7 @@
           <p:cNvPr id="6" name="灯片编号占位符 5">
             <a:extLst>
               <a:ext uri="{FF2B5EF4-FFF2-40B4-BE49-F238E27FC236}">
-                <a16:creationId xmlns:a16="http://schemas.microsoft.com/office/drawing/2014/main" id="{8D836460-E001-9113-BC72-F324128AEA1E}"/>
+                <a16:creationId xmlns:a16="http://schemas.microsoft.com/office/drawing/2014/main" id="{8FBC5F56-6D2E-DE3A-6A64-FCCD5F381FBB}"/>
               </a:ext>
             </a:extLst>
           </p:cNvPr>
@@ -1185,7 +1185,7 @@
           <a:bodyPr/>
           <a:lstStyle/>
           <a:p>
-            <a:fld id="{9ADA99E6-B14D-4754-A64F-FAE44A17B924}" type="slidenum">
+            <a:fld id="{5A14B263-C093-4067-808F-DDDE0E67D7DD}" type="slidenum">
               <a:rPr lang="zh-CN" altLang="en-US" smtClean="0"/>
               <a:t>‹#›</a:t>
             </a:fld>
@@ -1196,7 +1196,7 @@
     </p:spTree>
     <p:extLst>
       <p:ext uri="{BB962C8B-B14F-4D97-AF65-F5344CB8AC3E}">
-        <p14:creationId xmlns:p14="http://schemas.microsoft.com/office/powerpoint/2010/main" val="2475983235"/>
+        <p14:creationId xmlns:p14="http://schemas.microsoft.com/office/powerpoint/2010/main" val="1310737161"/>
       </p:ext>
     </p:extLst>
   </p:cSld>
@@ -1228,7 +1228,7 @@
           <p:cNvPr id="2" name="标题 1">
             <a:extLst>
               <a:ext uri="{FF2B5EF4-FFF2-40B4-BE49-F238E27FC236}">
-                <a16:creationId xmlns:a16="http://schemas.microsoft.com/office/drawing/2014/main" id="{128798BA-E6F7-EEA1-A450-7B6FE515AEFF}"/>
+                <a16:creationId xmlns:a16="http://schemas.microsoft.com/office/drawing/2014/main" id="{529F48EB-4D3E-3B11-45F7-E5E8F6C85753}"/>
               </a:ext>
             </a:extLst>
           </p:cNvPr>
@@ -1256,7 +1256,7 @@
           <p:cNvPr id="3" name="内容占位符 2">
             <a:extLst>
               <a:ext uri="{FF2B5EF4-FFF2-40B4-BE49-F238E27FC236}">
-                <a16:creationId xmlns:a16="http://schemas.microsoft.com/office/drawing/2014/main" id="{F3D6A12C-367F-11E0-DEBE-71EADF31299D}"/>
+                <a16:creationId xmlns:a16="http://schemas.microsoft.com/office/drawing/2014/main" id="{8E1A88C8-156E-FBE4-BAF6-B63A369EFE4D}"/>
               </a:ext>
             </a:extLst>
           </p:cNvPr>
@@ -1318,7 +1318,7 @@
           <p:cNvPr id="4" name="内容占位符 3">
             <a:extLst>
               <a:ext uri="{FF2B5EF4-FFF2-40B4-BE49-F238E27FC236}">
-                <a16:creationId xmlns:a16="http://schemas.microsoft.com/office/drawing/2014/main" id="{F9C38B0E-6B8F-C856-2624-EDAFEAED24D8}"/>
+                <a16:creationId xmlns:a16="http://schemas.microsoft.com/office/drawing/2014/main" id="{D64027A5-2877-C91D-245C-2D18810D73C5}"/>
               </a:ext>
             </a:extLst>
           </p:cNvPr>
@@ -1380,7 +1380,7 @@
           <p:cNvPr id="5" name="日期占位符 4">
             <a:extLst>
               <a:ext uri="{FF2B5EF4-FFF2-40B4-BE49-F238E27FC236}">
-                <a16:creationId xmlns:a16="http://schemas.microsoft.com/office/drawing/2014/main" id="{CA69F9A3-9147-4BDB-3001-D523D72FB53B}"/>
+                <a16:creationId xmlns:a16="http://schemas.microsoft.com/office/drawing/2014/main" id="{697697B3-E709-00FE-E7C1-AB413090C8EA}"/>
               </a:ext>
             </a:extLst>
           </p:cNvPr>
@@ -1396,7 +1396,7 @@
           <a:bodyPr/>
           <a:lstStyle/>
           <a:p>
-            <a:fld id="{282E39F6-3458-4A7D-AF10-1E809904B6B4}" type="datetimeFigureOut">
+            <a:fld id="{ADA1B5FA-0E6C-4809-8F85-2CB313CA6B6C}" type="datetimeFigureOut">
               <a:rPr lang="zh-CN" altLang="en-US" smtClean="0"/>
               <a:t>2024/3/10</a:t>
             </a:fld>
@@ -1409,7 +1409,7 @@
           <p:cNvPr id="6" name="页脚占位符 5">
             <a:extLst>
               <a:ext uri="{FF2B5EF4-FFF2-40B4-BE49-F238E27FC236}">
-                <a16:creationId xmlns:a16="http://schemas.microsoft.com/office/drawing/2014/main" id="{8A7EDD8D-F4AA-28A4-98EE-586591FC8CB1}"/>
+                <a16:creationId xmlns:a16="http://schemas.microsoft.com/office/drawing/2014/main" id="{572BD9A8-ED98-967A-6C04-4B771677E992}"/>
               </a:ext>
             </a:extLst>
           </p:cNvPr>
@@ -1434,7 +1434,7 @@
           <p:cNvPr id="7" name="灯片编号占位符 6">
             <a:extLst>
               <a:ext uri="{FF2B5EF4-FFF2-40B4-BE49-F238E27FC236}">
-                <a16:creationId xmlns:a16="http://schemas.microsoft.com/office/drawing/2014/main" id="{10D90B8A-A108-7EC0-BA76-927A6091842A}"/>
+                <a16:creationId xmlns:a16="http://schemas.microsoft.com/office/drawing/2014/main" id="{C0DDE008-6F0A-73EB-232B-1E4EFDA96695}"/>
               </a:ext>
             </a:extLst>
           </p:cNvPr>
@@ -1450,7 +1450,7 @@
           <a:bodyPr/>
           <a:lstStyle/>
           <a:p>
-            <a:fld id="{9ADA99E6-B14D-4754-A64F-FAE44A17B924}" type="slidenum">
+            <a:fld id="{5A14B263-C093-4067-808F-DDDE0E67D7DD}" type="slidenum">
               <a:rPr lang="zh-CN" altLang="en-US" smtClean="0"/>
               <a:t>‹#›</a:t>
             </a:fld>
@@ -1461,7 +1461,7 @@
     </p:spTree>
     <p:extLst>
       <p:ext uri="{BB962C8B-B14F-4D97-AF65-F5344CB8AC3E}">
-        <p14:creationId xmlns:p14="http://schemas.microsoft.com/office/powerpoint/2010/main" val="1606811501"/>
+        <p14:creationId xmlns:p14="http://schemas.microsoft.com/office/powerpoint/2010/main" val="2343210440"/>
       </p:ext>
     </p:extLst>
   </p:cSld>
@@ -1493,7 +1493,7 @@
           <p:cNvPr id="2" name="标题 1">
             <a:extLst>
               <a:ext uri="{FF2B5EF4-FFF2-40B4-BE49-F238E27FC236}">
-                <a16:creationId xmlns:a16="http://schemas.microsoft.com/office/drawing/2014/main" id="{BA2211A9-535D-21FE-9513-F7D331D24968}"/>
+                <a16:creationId xmlns:a16="http://schemas.microsoft.com/office/drawing/2014/main" id="{90EAAB1A-12EE-CE50-6ECD-D607C4F3ACFC}"/>
               </a:ext>
             </a:extLst>
           </p:cNvPr>
@@ -1526,7 +1526,7 @@
           <p:cNvPr id="3" name="文本占位符 2">
             <a:extLst>
               <a:ext uri="{FF2B5EF4-FFF2-40B4-BE49-F238E27FC236}">
-                <a16:creationId xmlns:a16="http://schemas.microsoft.com/office/drawing/2014/main" id="{2699E1F4-D9DA-33F6-9B21-628F141375E7}"/>
+                <a16:creationId xmlns:a16="http://schemas.microsoft.com/office/drawing/2014/main" id="{76EB5BB1-D874-E34D-3220-94C563D67E2D}"/>
               </a:ext>
             </a:extLst>
           </p:cNvPr>
@@ -1597,7 +1597,7 @@
           <p:cNvPr id="4" name="内容占位符 3">
             <a:extLst>
               <a:ext uri="{FF2B5EF4-FFF2-40B4-BE49-F238E27FC236}">
-                <a16:creationId xmlns:a16="http://schemas.microsoft.com/office/drawing/2014/main" id="{594A7815-2134-CCC0-A1B9-2DD893514167}"/>
+                <a16:creationId xmlns:a16="http://schemas.microsoft.com/office/drawing/2014/main" id="{0F69EDC4-8976-0239-7446-B4F5335AC928}"/>
               </a:ext>
             </a:extLst>
           </p:cNvPr>
@@ -1659,7 +1659,7 @@
           <p:cNvPr id="5" name="文本占位符 4">
             <a:extLst>
               <a:ext uri="{FF2B5EF4-FFF2-40B4-BE49-F238E27FC236}">
-                <a16:creationId xmlns:a16="http://schemas.microsoft.com/office/drawing/2014/main" id="{2306D4E5-DB56-7F68-EEA0-3B4B5DDC44BC}"/>
+                <a16:creationId xmlns:a16="http://schemas.microsoft.com/office/drawing/2014/main" id="{A4F1951F-ED06-7F12-F6C1-3E0C8A46C450}"/>
               </a:ext>
             </a:extLst>
           </p:cNvPr>
@@ -1730,7 +1730,7 @@
           <p:cNvPr id="6" name="内容占位符 5">
             <a:extLst>
               <a:ext uri="{FF2B5EF4-FFF2-40B4-BE49-F238E27FC236}">
-                <a16:creationId xmlns:a16="http://schemas.microsoft.com/office/drawing/2014/main" id="{E6EFB4BC-A048-779D-EF0E-3CFF47A259E9}"/>
+                <a16:creationId xmlns:a16="http://schemas.microsoft.com/office/drawing/2014/main" id="{81CBF319-BA7D-0FB3-301E-BBAA56CF3ED4}"/>
               </a:ext>
             </a:extLst>
           </p:cNvPr>
@@ -1792,7 +1792,7 @@
           <p:cNvPr id="7" name="日期占位符 6">
             <a:extLst>
               <a:ext uri="{FF2B5EF4-FFF2-40B4-BE49-F238E27FC236}">
-                <a16:creationId xmlns:a16="http://schemas.microsoft.com/office/drawing/2014/main" id="{49F7F560-45CD-EC61-F056-1BD7B1DF5641}"/>
+                <a16:creationId xmlns:a16="http://schemas.microsoft.com/office/drawing/2014/main" id="{884FB8B1-DDEF-485A-481A-0C3151811A38}"/>
               </a:ext>
             </a:extLst>
           </p:cNvPr>
@@ -1808,7 +1808,7 @@
           <a:bodyPr/>
           <a:lstStyle/>
           <a:p>
-            <a:fld id="{282E39F6-3458-4A7D-AF10-1E809904B6B4}" type="datetimeFigureOut">
+            <a:fld id="{ADA1B5FA-0E6C-4809-8F85-2CB313CA6B6C}" type="datetimeFigureOut">
               <a:rPr lang="zh-CN" altLang="en-US" smtClean="0"/>
               <a:t>2024/3/10</a:t>
             </a:fld>
@@ -1821,7 +1821,7 @@
           <p:cNvPr id="8" name="页脚占位符 7">
             <a:extLst>
               <a:ext uri="{FF2B5EF4-FFF2-40B4-BE49-F238E27FC236}">
-                <a16:creationId xmlns:a16="http://schemas.microsoft.com/office/drawing/2014/main" id="{3123B8A5-354A-9EB7-6867-6930826D1EBA}"/>
+                <a16:creationId xmlns:a16="http://schemas.microsoft.com/office/drawing/2014/main" id="{7F71BCAA-00BC-08D7-CC30-DDAF5B09CC0B}"/>
               </a:ext>
             </a:extLst>
           </p:cNvPr>
@@ -1846,7 +1846,7 @@
           <p:cNvPr id="9" name="灯片编号占位符 8">
             <a:extLst>
               <a:ext uri="{FF2B5EF4-FFF2-40B4-BE49-F238E27FC236}">
-                <a16:creationId xmlns:a16="http://schemas.microsoft.com/office/drawing/2014/main" id="{21570706-B092-2D2F-1CEA-D3DAE9A5CF37}"/>
+                <a16:creationId xmlns:a16="http://schemas.microsoft.com/office/drawing/2014/main" id="{B4A3D78E-3491-DC29-2B8A-4ADED37973AD}"/>
               </a:ext>
             </a:extLst>
           </p:cNvPr>
@@ -1862,7 +1862,7 @@
           <a:bodyPr/>
           <a:lstStyle/>
           <a:p>
-            <a:fld id="{9ADA99E6-B14D-4754-A64F-FAE44A17B924}" type="slidenum">
+            <a:fld id="{5A14B263-C093-4067-808F-DDDE0E67D7DD}" type="slidenum">
               <a:rPr lang="zh-CN" altLang="en-US" smtClean="0"/>
               <a:t>‹#›</a:t>
             </a:fld>
@@ -1873,7 +1873,7 @@
     </p:spTree>
     <p:extLst>
       <p:ext uri="{BB962C8B-B14F-4D97-AF65-F5344CB8AC3E}">
-        <p14:creationId xmlns:p14="http://schemas.microsoft.com/office/powerpoint/2010/main" val="2357097369"/>
+        <p14:creationId xmlns:p14="http://schemas.microsoft.com/office/powerpoint/2010/main" val="1629481622"/>
       </p:ext>
     </p:extLst>
   </p:cSld>
@@ -1905,7 +1905,7 @@
           <p:cNvPr id="2" name="标题 1">
             <a:extLst>
               <a:ext uri="{FF2B5EF4-FFF2-40B4-BE49-F238E27FC236}">
-                <a16:creationId xmlns:a16="http://schemas.microsoft.com/office/drawing/2014/main" id="{D5A6EAD9-E4E5-566C-C60D-24054689C419}"/>
+                <a16:creationId xmlns:a16="http://schemas.microsoft.com/office/drawing/2014/main" id="{0BD03B40-6DD9-03F5-0B81-56B8C1FE73A3}"/>
               </a:ext>
             </a:extLst>
           </p:cNvPr>
@@ -1933,7 +1933,7 @@
           <p:cNvPr id="3" name="日期占位符 2">
             <a:extLst>
               <a:ext uri="{FF2B5EF4-FFF2-40B4-BE49-F238E27FC236}">
-                <a16:creationId xmlns:a16="http://schemas.microsoft.com/office/drawing/2014/main" id="{56BEAF2D-9CF9-223A-FE34-12E1644CA7AC}"/>
+                <a16:creationId xmlns:a16="http://schemas.microsoft.com/office/drawing/2014/main" id="{95E9E807-146B-7628-C015-E6B110EAC5B4}"/>
               </a:ext>
             </a:extLst>
           </p:cNvPr>
@@ -1949,7 +1949,7 @@
           <a:bodyPr/>
           <a:lstStyle/>
           <a:p>
-            <a:fld id="{282E39F6-3458-4A7D-AF10-1E809904B6B4}" type="datetimeFigureOut">
+            <a:fld id="{ADA1B5FA-0E6C-4809-8F85-2CB313CA6B6C}" type="datetimeFigureOut">
               <a:rPr lang="zh-CN" altLang="en-US" smtClean="0"/>
               <a:t>2024/3/10</a:t>
             </a:fld>
@@ -1962,7 +1962,7 @@
           <p:cNvPr id="4" name="页脚占位符 3">
             <a:extLst>
               <a:ext uri="{FF2B5EF4-FFF2-40B4-BE49-F238E27FC236}">
-                <a16:creationId xmlns:a16="http://schemas.microsoft.com/office/drawing/2014/main" id="{2AFDB67E-2BFF-B6D2-3582-0857C0088E24}"/>
+                <a16:creationId xmlns:a16="http://schemas.microsoft.com/office/drawing/2014/main" id="{5B90763D-B9C5-9A6D-A968-69C4B8B52CD1}"/>
               </a:ext>
             </a:extLst>
           </p:cNvPr>
@@ -1987,7 +1987,7 @@
           <p:cNvPr id="5" name="灯片编号占位符 4">
             <a:extLst>
               <a:ext uri="{FF2B5EF4-FFF2-40B4-BE49-F238E27FC236}">
-                <a16:creationId xmlns:a16="http://schemas.microsoft.com/office/drawing/2014/main" id="{DC9C14AE-86D5-0B69-0118-D7A943F26193}"/>
+                <a16:creationId xmlns:a16="http://schemas.microsoft.com/office/drawing/2014/main" id="{BF47DCFC-7DEA-CFFB-06ED-3CCDEA82E82D}"/>
               </a:ext>
             </a:extLst>
           </p:cNvPr>
@@ -2003,7 +2003,7 @@
           <a:bodyPr/>
           <a:lstStyle/>
           <a:p>
-            <a:fld id="{9ADA99E6-B14D-4754-A64F-FAE44A17B924}" type="slidenum">
+            <a:fld id="{5A14B263-C093-4067-808F-DDDE0E67D7DD}" type="slidenum">
               <a:rPr lang="zh-CN" altLang="en-US" smtClean="0"/>
               <a:t>‹#›</a:t>
             </a:fld>
@@ -2014,7 +2014,7 @@
     </p:spTree>
     <p:extLst>
       <p:ext uri="{BB962C8B-B14F-4D97-AF65-F5344CB8AC3E}">
-        <p14:creationId xmlns:p14="http://schemas.microsoft.com/office/powerpoint/2010/main" val="1090688722"/>
+        <p14:creationId xmlns:p14="http://schemas.microsoft.com/office/powerpoint/2010/main" val="1844514290"/>
       </p:ext>
     </p:extLst>
   </p:cSld>
@@ -2046,7 +2046,7 @@
           <p:cNvPr id="2" name="日期占位符 1">
             <a:extLst>
               <a:ext uri="{FF2B5EF4-FFF2-40B4-BE49-F238E27FC236}">
-                <a16:creationId xmlns:a16="http://schemas.microsoft.com/office/drawing/2014/main" id="{5738E0FD-7139-283D-AD49-E3F11854FE62}"/>
+                <a16:creationId xmlns:a16="http://schemas.microsoft.com/office/drawing/2014/main" id="{4FD1D37C-4E6A-8610-138A-90120BEAA1B0}"/>
               </a:ext>
             </a:extLst>
           </p:cNvPr>
@@ -2062,7 +2062,7 @@
           <a:bodyPr/>
           <a:lstStyle/>
           <a:p>
-            <a:fld id="{282E39F6-3458-4A7D-AF10-1E809904B6B4}" type="datetimeFigureOut">
+            <a:fld id="{ADA1B5FA-0E6C-4809-8F85-2CB313CA6B6C}" type="datetimeFigureOut">
               <a:rPr lang="zh-CN" altLang="en-US" smtClean="0"/>
               <a:t>2024/3/10</a:t>
             </a:fld>
@@ -2075,7 +2075,7 @@
           <p:cNvPr id="3" name="页脚占位符 2">
             <a:extLst>
               <a:ext uri="{FF2B5EF4-FFF2-40B4-BE49-F238E27FC236}">
-                <a16:creationId xmlns:a16="http://schemas.microsoft.com/office/drawing/2014/main" id="{26C492D9-F320-79CA-9EF4-6ED6CCEC1BC8}"/>
+                <a16:creationId xmlns:a16="http://schemas.microsoft.com/office/drawing/2014/main" id="{756B51C1-8506-E773-34F2-9356A769D31C}"/>
               </a:ext>
             </a:extLst>
           </p:cNvPr>
@@ -2100,7 +2100,7 @@
           <p:cNvPr id="4" name="灯片编号占位符 3">
             <a:extLst>
               <a:ext uri="{FF2B5EF4-FFF2-40B4-BE49-F238E27FC236}">
-                <a16:creationId xmlns:a16="http://schemas.microsoft.com/office/drawing/2014/main" id="{E3C915A2-DFC7-8396-B925-A11FC7D9C607}"/>
+                <a16:creationId xmlns:a16="http://schemas.microsoft.com/office/drawing/2014/main" id="{5AA5D825-D9C0-1181-4AF5-4FCFCE69BD1D}"/>
               </a:ext>
             </a:extLst>
           </p:cNvPr>
@@ -2116,7 +2116,7 @@
           <a:bodyPr/>
           <a:lstStyle/>
           <a:p>
-            <a:fld id="{9ADA99E6-B14D-4754-A64F-FAE44A17B924}" type="slidenum">
+            <a:fld id="{5A14B263-C093-4067-808F-DDDE0E67D7DD}" type="slidenum">
               <a:rPr lang="zh-CN" altLang="en-US" smtClean="0"/>
               <a:t>‹#›</a:t>
             </a:fld>
@@ -2127,7 +2127,7 @@
     </p:spTree>
     <p:extLst>
       <p:ext uri="{BB962C8B-B14F-4D97-AF65-F5344CB8AC3E}">
-        <p14:creationId xmlns:p14="http://schemas.microsoft.com/office/powerpoint/2010/main" val="3400732209"/>
+        <p14:creationId xmlns:p14="http://schemas.microsoft.com/office/powerpoint/2010/main" val="592385848"/>
       </p:ext>
     </p:extLst>
   </p:cSld>
@@ -2159,7 +2159,7 @@
           <p:cNvPr id="2" name="标题 1">
             <a:extLst>
               <a:ext uri="{FF2B5EF4-FFF2-40B4-BE49-F238E27FC236}">
-                <a16:creationId xmlns:a16="http://schemas.microsoft.com/office/drawing/2014/main" id="{F139606B-239F-B937-2AC2-2321787D7AC4}"/>
+                <a16:creationId xmlns:a16="http://schemas.microsoft.com/office/drawing/2014/main" id="{9835FE5C-098A-D694-4ECE-4E490EFC3C83}"/>
               </a:ext>
             </a:extLst>
           </p:cNvPr>
@@ -2196,7 +2196,7 @@
           <p:cNvPr id="3" name="内容占位符 2">
             <a:extLst>
               <a:ext uri="{FF2B5EF4-FFF2-40B4-BE49-F238E27FC236}">
-                <a16:creationId xmlns:a16="http://schemas.microsoft.com/office/drawing/2014/main" id="{24BDDD73-9E3C-42A6-40C9-0D803621B5B6}"/>
+                <a16:creationId xmlns:a16="http://schemas.microsoft.com/office/drawing/2014/main" id="{878F3F0D-20F1-6629-6102-EA62A52F7D54}"/>
               </a:ext>
             </a:extLst>
           </p:cNvPr>
@@ -2286,7 +2286,7 @@
           <p:cNvPr id="4" name="文本占位符 3">
             <a:extLst>
               <a:ext uri="{FF2B5EF4-FFF2-40B4-BE49-F238E27FC236}">
-                <a16:creationId xmlns:a16="http://schemas.microsoft.com/office/drawing/2014/main" id="{DCAD7522-3EA6-610B-BCA9-EE3D25914E15}"/>
+                <a16:creationId xmlns:a16="http://schemas.microsoft.com/office/drawing/2014/main" id="{D842DD87-2FCB-7EF2-33FA-F7FB679C0AD7}"/>
               </a:ext>
             </a:extLst>
           </p:cNvPr>
@@ -2357,7 +2357,7 @@
           <p:cNvPr id="5" name="日期占位符 4">
             <a:extLst>
               <a:ext uri="{FF2B5EF4-FFF2-40B4-BE49-F238E27FC236}">
-                <a16:creationId xmlns:a16="http://schemas.microsoft.com/office/drawing/2014/main" id="{E49C5365-F367-EA46-CC72-0ED1D1D05CDE}"/>
+                <a16:creationId xmlns:a16="http://schemas.microsoft.com/office/drawing/2014/main" id="{1BBC7C27-DDF9-CD6B-A512-0A69DCB079DB}"/>
               </a:ext>
             </a:extLst>
           </p:cNvPr>
@@ -2373,7 +2373,7 @@
           <a:bodyPr/>
           <a:lstStyle/>
           <a:p>
-            <a:fld id="{282E39F6-3458-4A7D-AF10-1E809904B6B4}" type="datetimeFigureOut">
+            <a:fld id="{ADA1B5FA-0E6C-4809-8F85-2CB313CA6B6C}" type="datetimeFigureOut">
               <a:rPr lang="zh-CN" altLang="en-US" smtClean="0"/>
               <a:t>2024/3/10</a:t>
             </a:fld>
@@ -2386,7 +2386,7 @@
           <p:cNvPr id="6" name="页脚占位符 5">
             <a:extLst>
               <a:ext uri="{FF2B5EF4-FFF2-40B4-BE49-F238E27FC236}">
-                <a16:creationId xmlns:a16="http://schemas.microsoft.com/office/drawing/2014/main" id="{12BE4772-D444-A20D-E22D-8847CB2024F6}"/>
+                <a16:creationId xmlns:a16="http://schemas.microsoft.com/office/drawing/2014/main" id="{EB65C3E5-F326-2BCF-997B-4F8BE536159E}"/>
               </a:ext>
             </a:extLst>
           </p:cNvPr>
@@ -2411,7 +2411,7 @@
           <p:cNvPr id="7" name="灯片编号占位符 6">
             <a:extLst>
               <a:ext uri="{FF2B5EF4-FFF2-40B4-BE49-F238E27FC236}">
-                <a16:creationId xmlns:a16="http://schemas.microsoft.com/office/drawing/2014/main" id="{51F84B58-F110-5A88-BFDA-C40EC05B5C0B}"/>
+                <a16:creationId xmlns:a16="http://schemas.microsoft.com/office/drawing/2014/main" id="{39614A56-AF3B-D741-889F-DC11E9DC8CE0}"/>
               </a:ext>
             </a:extLst>
           </p:cNvPr>
@@ -2427,7 +2427,7 @@
           <a:bodyPr/>
           <a:lstStyle/>
           <a:p>
-            <a:fld id="{9ADA99E6-B14D-4754-A64F-FAE44A17B924}" type="slidenum">
+            <a:fld id="{5A14B263-C093-4067-808F-DDDE0E67D7DD}" type="slidenum">
               <a:rPr lang="zh-CN" altLang="en-US" smtClean="0"/>
               <a:t>‹#›</a:t>
             </a:fld>
@@ -2438,7 +2438,7 @@
     </p:spTree>
     <p:extLst>
       <p:ext uri="{BB962C8B-B14F-4D97-AF65-F5344CB8AC3E}">
-        <p14:creationId xmlns:p14="http://schemas.microsoft.com/office/powerpoint/2010/main" val="2747472016"/>
+        <p14:creationId xmlns:p14="http://schemas.microsoft.com/office/powerpoint/2010/main" val="2918308878"/>
       </p:ext>
     </p:extLst>
   </p:cSld>
@@ -2470,7 +2470,7 @@
           <p:cNvPr id="2" name="标题 1">
             <a:extLst>
               <a:ext uri="{FF2B5EF4-FFF2-40B4-BE49-F238E27FC236}">
-                <a16:creationId xmlns:a16="http://schemas.microsoft.com/office/drawing/2014/main" id="{44762E71-0F07-3A51-851F-305C9DB05DF3}"/>
+                <a16:creationId xmlns:a16="http://schemas.microsoft.com/office/drawing/2014/main" id="{DE486795-AC3B-51F9-A664-90BC538E5904}"/>
               </a:ext>
             </a:extLst>
           </p:cNvPr>
@@ -2507,7 +2507,7 @@
           <p:cNvPr id="3" name="图片占位符 2">
             <a:extLst>
               <a:ext uri="{FF2B5EF4-FFF2-40B4-BE49-F238E27FC236}">
-                <a16:creationId xmlns:a16="http://schemas.microsoft.com/office/drawing/2014/main" id="{FE3AB663-B781-7654-CF99-638D498BF8B5}"/>
+                <a16:creationId xmlns:a16="http://schemas.microsoft.com/office/drawing/2014/main" id="{DA0F09A9-7E1F-E17E-18EE-6C6C6B9DA85B}"/>
               </a:ext>
             </a:extLst>
           </p:cNvPr>
@@ -2574,7 +2574,7 @@
           <p:cNvPr id="4" name="文本占位符 3">
             <a:extLst>
               <a:ext uri="{FF2B5EF4-FFF2-40B4-BE49-F238E27FC236}">
-                <a16:creationId xmlns:a16="http://schemas.microsoft.com/office/drawing/2014/main" id="{6275C252-490A-B1DF-73F9-367F0AA2D14A}"/>
+                <a16:creationId xmlns:a16="http://schemas.microsoft.com/office/drawing/2014/main" id="{79C0F428-4794-088E-A047-B0EC9F18B03B}"/>
               </a:ext>
             </a:extLst>
           </p:cNvPr>
@@ -2645,7 +2645,7 @@
           <p:cNvPr id="5" name="日期占位符 4">
             <a:extLst>
               <a:ext uri="{FF2B5EF4-FFF2-40B4-BE49-F238E27FC236}">
-                <a16:creationId xmlns:a16="http://schemas.microsoft.com/office/drawing/2014/main" id="{AA08D0C5-3532-FBC1-047F-EB9ACE716BC1}"/>
+                <a16:creationId xmlns:a16="http://schemas.microsoft.com/office/drawing/2014/main" id="{93F8F4E4-F39A-209E-CF91-3F634E8DAB9E}"/>
               </a:ext>
             </a:extLst>
           </p:cNvPr>
@@ -2661,7 +2661,7 @@
           <a:bodyPr/>
           <a:lstStyle/>
           <a:p>
-            <a:fld id="{282E39F6-3458-4A7D-AF10-1E809904B6B4}" type="datetimeFigureOut">
+            <a:fld id="{ADA1B5FA-0E6C-4809-8F85-2CB313CA6B6C}" type="datetimeFigureOut">
               <a:rPr lang="zh-CN" altLang="en-US" smtClean="0"/>
               <a:t>2024/3/10</a:t>
             </a:fld>
@@ -2674,7 +2674,7 @@
           <p:cNvPr id="6" name="页脚占位符 5">
             <a:extLst>
               <a:ext uri="{FF2B5EF4-FFF2-40B4-BE49-F238E27FC236}">
-                <a16:creationId xmlns:a16="http://schemas.microsoft.com/office/drawing/2014/main" id="{EC1F185B-E046-A692-51BF-CEF1D32B53E9}"/>
+                <a16:creationId xmlns:a16="http://schemas.microsoft.com/office/drawing/2014/main" id="{ABFEEC7D-2B28-18C9-64E2-3AAE9741BF09}"/>
               </a:ext>
             </a:extLst>
           </p:cNvPr>
@@ -2699,7 +2699,7 @@
           <p:cNvPr id="7" name="灯片编号占位符 6">
             <a:extLst>
               <a:ext uri="{FF2B5EF4-FFF2-40B4-BE49-F238E27FC236}">
-                <a16:creationId xmlns:a16="http://schemas.microsoft.com/office/drawing/2014/main" id="{6A12E207-D7B6-7E6A-B606-931163386117}"/>
+                <a16:creationId xmlns:a16="http://schemas.microsoft.com/office/drawing/2014/main" id="{FA357B71-B575-EAC8-8752-4F55AF2700AA}"/>
               </a:ext>
             </a:extLst>
           </p:cNvPr>
@@ -2715,7 +2715,7 @@
           <a:bodyPr/>
           <a:lstStyle/>
           <a:p>
-            <a:fld id="{9ADA99E6-B14D-4754-A64F-FAE44A17B924}" type="slidenum">
+            <a:fld id="{5A14B263-C093-4067-808F-DDDE0E67D7DD}" type="slidenum">
               <a:rPr lang="zh-CN" altLang="en-US" smtClean="0"/>
               <a:t>‹#›</a:t>
             </a:fld>
@@ -2726,7 +2726,7 @@
     </p:spTree>
     <p:extLst>
       <p:ext uri="{BB962C8B-B14F-4D97-AF65-F5344CB8AC3E}">
-        <p14:creationId xmlns:p14="http://schemas.microsoft.com/office/powerpoint/2010/main" val="624918291"/>
+        <p14:creationId xmlns:p14="http://schemas.microsoft.com/office/powerpoint/2010/main" val="975597520"/>
       </p:ext>
     </p:extLst>
   </p:cSld>
@@ -2763,7 +2763,7 @@
           <p:cNvPr id="2" name="标题占位符 1">
             <a:extLst>
               <a:ext uri="{FF2B5EF4-FFF2-40B4-BE49-F238E27FC236}">
-                <a16:creationId xmlns:a16="http://schemas.microsoft.com/office/drawing/2014/main" id="{59830563-127E-FD8C-250F-CB01FB12AE12}"/>
+                <a16:creationId xmlns:a16="http://schemas.microsoft.com/office/drawing/2014/main" id="{BFF8E26B-F130-BE8A-F1D5-7E0FC98D0E80}"/>
               </a:ext>
             </a:extLst>
           </p:cNvPr>
@@ -2801,7 +2801,7 @@
           <p:cNvPr id="3" name="文本占位符 2">
             <a:extLst>
               <a:ext uri="{FF2B5EF4-FFF2-40B4-BE49-F238E27FC236}">
-                <a16:creationId xmlns:a16="http://schemas.microsoft.com/office/drawing/2014/main" id="{89895B42-0E9B-8D6A-0805-5078E12717D5}"/>
+                <a16:creationId xmlns:a16="http://schemas.microsoft.com/office/drawing/2014/main" id="{340A7188-8CE8-EB39-1EB7-E4559F54F8F5}"/>
               </a:ext>
             </a:extLst>
           </p:cNvPr>
@@ -2868,7 +2868,7 @@
           <p:cNvPr id="4" name="日期占位符 3">
             <a:extLst>
               <a:ext uri="{FF2B5EF4-FFF2-40B4-BE49-F238E27FC236}">
-                <a16:creationId xmlns:a16="http://schemas.microsoft.com/office/drawing/2014/main" id="{F46047CF-5A42-90A5-83C0-A505C47CA88F}"/>
+                <a16:creationId xmlns:a16="http://schemas.microsoft.com/office/drawing/2014/main" id="{0C0DCAC3-2CFF-D42E-E628-FA7F0E2721A1}"/>
               </a:ext>
             </a:extLst>
           </p:cNvPr>
@@ -2902,7 +2902,7 @@
             </a:lvl1pPr>
           </a:lstStyle>
           <a:p>
-            <a:fld id="{282E39F6-3458-4A7D-AF10-1E809904B6B4}" type="datetimeFigureOut">
+            <a:fld id="{ADA1B5FA-0E6C-4809-8F85-2CB313CA6B6C}" type="datetimeFigureOut">
               <a:rPr lang="zh-CN" altLang="en-US" smtClean="0"/>
               <a:t>2024/3/10</a:t>
             </a:fld>
@@ -2915,7 +2915,7 @@
           <p:cNvPr id="5" name="页脚占位符 4">
             <a:extLst>
               <a:ext uri="{FF2B5EF4-FFF2-40B4-BE49-F238E27FC236}">
-                <a16:creationId xmlns:a16="http://schemas.microsoft.com/office/drawing/2014/main" id="{CD124C5C-7472-9CA5-B4DD-DBD62BCABA69}"/>
+                <a16:creationId xmlns:a16="http://schemas.microsoft.com/office/drawing/2014/main" id="{F0E3A3E3-4FA6-87BC-35F6-BAC2F331B46F}"/>
               </a:ext>
             </a:extLst>
           </p:cNvPr>
@@ -2958,7 +2958,7 @@
           <p:cNvPr id="6" name="灯片编号占位符 5">
             <a:extLst>
               <a:ext uri="{FF2B5EF4-FFF2-40B4-BE49-F238E27FC236}">
-                <a16:creationId xmlns:a16="http://schemas.microsoft.com/office/drawing/2014/main" id="{897A6767-E88B-B809-3738-334D7090517E}"/>
+                <a16:creationId xmlns:a16="http://schemas.microsoft.com/office/drawing/2014/main" id="{82C1E2CD-A405-9179-A916-9967412ADE68}"/>
               </a:ext>
             </a:extLst>
           </p:cNvPr>
@@ -2992,7 +2992,7 @@
             </a:lvl1pPr>
           </a:lstStyle>
           <a:p>
-            <a:fld id="{9ADA99E6-B14D-4754-A64F-FAE44A17B924}" type="slidenum">
+            <a:fld id="{5A14B263-C093-4067-808F-DDDE0E67D7DD}" type="slidenum">
               <a:rPr lang="zh-CN" altLang="en-US" smtClean="0"/>
               <a:t>‹#›</a:t>
             </a:fld>
@@ -3003,7 +3003,7 @@
     </p:spTree>
     <p:extLst>
       <p:ext uri="{BB962C8B-B14F-4D97-AF65-F5344CB8AC3E}">
-        <p14:creationId xmlns:p14="http://schemas.microsoft.com/office/powerpoint/2010/main" val="2498828166"/>
+        <p14:creationId xmlns:p14="http://schemas.microsoft.com/office/powerpoint/2010/main" val="1517173853"/>
       </p:ext>
     </p:extLst>
   </p:cSld>
@@ -3323,7 +3323,7 @@
       </p:grpSpPr>
       <p:pic>
         <p:nvPicPr>
-          <p:cNvPr id="1231874" name="Picture 2" descr="1202"/>
+          <p:cNvPr id="1232898" name="Picture 2" descr="1203"/>
           <p:cNvPicPr>
             <a:picLocks noChangeAspect="1" noChangeArrowheads="1"/>
           </p:cNvPicPr>
@@ -3345,7 +3345,7 @@
         <p:spPr bwMode="auto">
           <a:xfrm>
             <a:off x="1524000" y="0"/>
-            <a:ext cx="9144000" cy="6858000"/>
+            <a:ext cx="9144000" cy="6789738"/>
           </a:xfrm>
           <a:prstGeom prst="rect">
             <a:avLst/>
